--- a/powerpoint_template/nsf_site_visit_template.pptx
+++ b/powerpoint_template/nsf_site_visit_template.pptx
@@ -3763,8 +3763,8 @@
         </p:blipFill>
         <p:spPr>
           <a:xfrm>
-            <a:off x="16230600" y="228600"/>
-            <a:ext cx="5393267" cy="2553874"/>
+            <a:off x="17830800" y="304800"/>
+            <a:ext cx="3664148" cy="2487168"/>
           </a:xfrm>
           <a:prstGeom prst="rect">
             <a:avLst/>
@@ -3809,8 +3809,8 @@
         </p:nvSpPr>
         <p:spPr>
           <a:xfrm>
-            <a:off x="3657600" y="457200"/>
-            <a:ext cx="12801600" cy="4278094"/>
+            <a:off x="4114800" y="457200"/>
+            <a:ext cx="13716000" cy="2616101"/>
           </a:xfrm>
           <a:prstGeom prst="rect">
             <a:avLst/>
@@ -3899,22 +3899,6 @@
               <a:latin typeface="DIN" charset="0"/>
               <a:ea typeface="DIN" charset="0"/>
               <a:cs typeface="DIN" charset="0"/>
-            </a:endParaRPr>
-          </a:p>
-          <a:p>
-            <a:pPr algn="ctr"/>
-            <a:endParaRPr lang="en-US" sz="5400" dirty="0" smtClean="0">
-              <a:latin typeface="DIN Condensed" charset="0"/>
-              <a:ea typeface="DIN Condensed" charset="0"/>
-              <a:cs typeface="DIN Condensed" charset="0"/>
-            </a:endParaRPr>
-          </a:p>
-          <a:p>
-            <a:pPr algn="ctr"/>
-            <a:endParaRPr lang="en-US" sz="5400" spc="300" dirty="0">
-              <a:latin typeface="DIN Condensed" charset="0"/>
-              <a:ea typeface="DIN Condensed" charset="0"/>
-              <a:cs typeface="DIN Condensed" charset="0"/>
             </a:endParaRPr>
           </a:p>
         </p:txBody>
@@ -4099,8 +4083,8 @@
         </p:nvSpPr>
         <p:spPr>
           <a:xfrm>
-            <a:off x="457200" y="228600"/>
-            <a:ext cx="3581400" cy="2554545"/>
+            <a:off x="457200" y="304800"/>
+            <a:ext cx="3810000" cy="2554545"/>
           </a:xfrm>
           <a:prstGeom prst="rect">
             <a:avLst/>
